--- a/Git 操作手冊.pptx
+++ b/Git 操作手冊.pptx
@@ -302,7 +302,7 @@
           <a:p>
             <a:fld id="{1D8BD707-D9CF-40AE-B4C6-C98DA3205C09}" type="datetimeFigureOut">
               <a:rPr lang="en-US"/>
-              <a:t>5/1/23</a:t>
+              <a:t>5/27/23</a:t>
             </a:fld>
             <a:endParaRPr lang="en-US"/>
           </a:p>
@@ -477,7 +477,7 @@
           <a:p>
             <a:fld id="{1D8BD707-D9CF-40AE-B4C6-C98DA3205C09}" type="datetimeFigureOut">
               <a:rPr lang="en-US"/>
-              <a:t>5/1/23</a:t>
+              <a:t>5/27/23</a:t>
             </a:fld>
             <a:endParaRPr lang="en-US"/>
           </a:p>
@@ -691,7 +691,7 @@
           <a:p>
             <a:fld id="{1D8BD707-D9CF-40AE-B4C6-C98DA3205C09}" type="datetimeFigureOut">
               <a:rPr lang="en-US"/>
-              <a:t>5/1/23</a:t>
+              <a:t>5/27/23</a:t>
             </a:fld>
             <a:endParaRPr lang="en-US"/>
           </a:p>
@@ -839,7 +839,7 @@
           <a:p>
             <a:fld id="{1D8BD707-D9CF-40AE-B4C6-C98DA3205C09}" type="datetimeFigureOut">
               <a:rPr lang="en-US"/>
-              <a:t>5/1/23</a:t>
+              <a:t>5/27/23</a:t>
             </a:fld>
             <a:endParaRPr lang="en-US"/>
           </a:p>
@@ -958,7 +958,7 @@
           <a:p>
             <a:fld id="{1D8BD707-D9CF-40AE-B4C6-C98DA3205C09}" type="datetimeFigureOut">
               <a:rPr lang="en-US"/>
-              <a:t>5/1/23</a:t>
+              <a:t>5/27/23</a:t>
             </a:fld>
             <a:endParaRPr lang="en-US"/>
           </a:p>
@@ -1363,7 +1363,7 @@
           <a:p>
             <a:fld id="{1D8BD707-D9CF-40AE-B4C6-C98DA3205C09}" type="datetimeFigureOut">
               <a:rPr lang="en-US"/>
-              <a:t>5/1/23</a:t>
+              <a:t>5/27/23</a:t>
             </a:fld>
             <a:endParaRPr lang="en-US"/>
           </a:p>
@@ -1633,122 +1633,6 @@
             <a:endParaRPr sz="4000">
               <a:latin typeface="SimSun"/>
               <a:cs typeface="SimSun"/>
-            </a:endParaRPr>
-          </a:p>
-        </p:txBody>
-      </p:sp>
-      <p:sp>
-        <p:nvSpPr>
-          <p:cNvPr id="3" name="object 3"/>
-          <p:cNvSpPr txBox="1"/>
-          <p:nvPr/>
-        </p:nvSpPr>
-        <p:spPr>
-          <a:xfrm>
-            <a:off x="9013063" y="5541365"/>
-            <a:ext cx="2439670" cy="920115"/>
-          </a:xfrm>
-          <a:prstGeom prst="rect">
-            <a:avLst/>
-          </a:prstGeom>
-        </p:spPr>
-        <p:txBody>
-          <a:bodyPr vert="horz" wrap="square" lIns="0" tIns="10795" rIns="0" bIns="0" rtlCol="0">
-            <a:spAutoFit/>
-          </a:bodyPr>
-          <a:lstStyle/>
-          <a:p>
-            <a:pPr marL="12700" marR="5080">
-              <a:lnSpc>
-                <a:spcPct val="140000"/>
-              </a:lnSpc>
-              <a:spcBef>
-                <a:spcPts val="85"/>
-              </a:spcBef>
-            </a:pPr>
-            <a:r>
-              <a:rPr sz="1400" dirty="0">
-                <a:solidFill>
-                  <a:srgbClr val="89D0D5"/>
-                </a:solidFill>
-                <a:latin typeface="SimSun"/>
-                <a:cs typeface="SimSun"/>
-              </a:rPr>
-              <a:t>陽明生資所</a:t>
-            </a:r>
-            <a:r>
-              <a:rPr sz="1400" spc="5" dirty="0">
-                <a:solidFill>
-                  <a:srgbClr val="89D0D5"/>
-                </a:solidFill>
-                <a:latin typeface="SimSun"/>
-                <a:cs typeface="SimSun"/>
-              </a:rPr>
-              <a:t> </a:t>
-            </a:r>
-            <a:r>
-              <a:rPr sz="1400" dirty="0">
-                <a:solidFill>
-                  <a:srgbClr val="89D0D5"/>
-                </a:solidFill>
-                <a:latin typeface="SimSun"/>
-                <a:cs typeface="SimSun"/>
-              </a:rPr>
-              <a:t>陳卓逸老師實驗室 專任研究助理</a:t>
-            </a:r>
-            <a:r>
-              <a:rPr sz="1400" spc="-340" dirty="0">
-                <a:solidFill>
-                  <a:srgbClr val="89D0D5"/>
-                </a:solidFill>
-                <a:latin typeface="SimSun"/>
-                <a:cs typeface="SimSun"/>
-              </a:rPr>
-              <a:t> </a:t>
-            </a:r>
-            <a:r>
-              <a:rPr sz="1400" dirty="0">
-                <a:solidFill>
-                  <a:srgbClr val="89D0D5"/>
-                </a:solidFill>
-                <a:latin typeface="SimSun"/>
-                <a:cs typeface="SimSun"/>
-              </a:rPr>
-              <a:t>陳躍中</a:t>
-            </a:r>
-            <a:r>
-              <a:rPr sz="1400" spc="-320" dirty="0">
-                <a:solidFill>
-                  <a:srgbClr val="89D0D5"/>
-                </a:solidFill>
-                <a:latin typeface="SimSun"/>
-                <a:cs typeface="SimSun"/>
-              </a:rPr>
-              <a:t> </a:t>
-            </a:r>
-            <a:r>
-              <a:rPr sz="1400" dirty="0">
-                <a:solidFill>
-                  <a:srgbClr val="89D0D5"/>
-                </a:solidFill>
-                <a:latin typeface="SimSun"/>
-                <a:cs typeface="SimSun"/>
-              </a:rPr>
-              <a:t>製作  </a:t>
-            </a:r>
-            <a:r>
-              <a:rPr sz="1400" spc="-5" dirty="0">
-                <a:solidFill>
-                  <a:srgbClr val="89D0D5"/>
-                </a:solidFill>
-                <a:latin typeface="Tahoma"/>
-                <a:cs typeface="Tahoma"/>
-              </a:rPr>
-              <a:t>2018.07.12</a:t>
-            </a:r>
-            <a:endParaRPr sz="1400">
-              <a:latin typeface="Tahoma"/>
-              <a:cs typeface="Tahoma"/>
             </a:endParaRPr>
           </a:p>
         </p:txBody>
